--- a/Fremlæggelse.pptx
+++ b/Fremlæggelse.pptx
@@ -108,6 +108,11 @@
       </a:defRPr>
     </a:lvl9pPr>
   </p:defaultTextStyle>
+  <p:extLst>
+    <p:ext uri="{EFAFB233-063F-42B5-8137-9DF3F51BA10A}">
+      <p15:sldGuideLst xmlns:p15="http://schemas.microsoft.com/office/powerpoint/2012/main"/>
+    </p:ext>
+  </p:extLst>
 </p:presentation>
 </file>
 
@@ -242,7 +247,7 @@
           <a:p>
             <a:fld id="{6AB9F159-B0E7-452B-BB75-8DD1E37CC682}" type="datetimeFigureOut">
               <a:rPr lang="da-DK" smtClean="0"/>
-              <a:t>18-05-2016</a:t>
+              <a:t>19-05-2016</a:t>
             </a:fld>
             <a:endParaRPr lang="da-DK"/>
           </a:p>
@@ -412,7 +417,7 @@
           <a:p>
             <a:fld id="{6AB9F159-B0E7-452B-BB75-8DD1E37CC682}" type="datetimeFigureOut">
               <a:rPr lang="da-DK" smtClean="0"/>
-              <a:t>18-05-2016</a:t>
+              <a:t>19-05-2016</a:t>
             </a:fld>
             <a:endParaRPr lang="da-DK"/>
           </a:p>
@@ -592,7 +597,7 @@
           <a:p>
             <a:fld id="{6AB9F159-B0E7-452B-BB75-8DD1E37CC682}" type="datetimeFigureOut">
               <a:rPr lang="da-DK" smtClean="0"/>
-              <a:t>18-05-2016</a:t>
+              <a:t>19-05-2016</a:t>
             </a:fld>
             <a:endParaRPr lang="da-DK"/>
           </a:p>
@@ -762,7 +767,7 @@
           <a:p>
             <a:fld id="{6AB9F159-B0E7-452B-BB75-8DD1E37CC682}" type="datetimeFigureOut">
               <a:rPr lang="da-DK" smtClean="0"/>
-              <a:t>18-05-2016</a:t>
+              <a:t>19-05-2016</a:t>
             </a:fld>
             <a:endParaRPr lang="da-DK"/>
           </a:p>
@@ -1008,7 +1013,7 @@
           <a:p>
             <a:fld id="{6AB9F159-B0E7-452B-BB75-8DD1E37CC682}" type="datetimeFigureOut">
               <a:rPr lang="da-DK" smtClean="0"/>
-              <a:t>18-05-2016</a:t>
+              <a:t>19-05-2016</a:t>
             </a:fld>
             <a:endParaRPr lang="da-DK"/>
           </a:p>
@@ -1240,7 +1245,7 @@
           <a:p>
             <a:fld id="{6AB9F159-B0E7-452B-BB75-8DD1E37CC682}" type="datetimeFigureOut">
               <a:rPr lang="da-DK" smtClean="0"/>
-              <a:t>18-05-2016</a:t>
+              <a:t>19-05-2016</a:t>
             </a:fld>
             <a:endParaRPr lang="da-DK"/>
           </a:p>
@@ -1607,7 +1612,7 @@
           <a:p>
             <a:fld id="{6AB9F159-B0E7-452B-BB75-8DD1E37CC682}" type="datetimeFigureOut">
               <a:rPr lang="da-DK" smtClean="0"/>
-              <a:t>18-05-2016</a:t>
+              <a:t>19-05-2016</a:t>
             </a:fld>
             <a:endParaRPr lang="da-DK"/>
           </a:p>
@@ -1725,7 +1730,7 @@
           <a:p>
             <a:fld id="{6AB9F159-B0E7-452B-BB75-8DD1E37CC682}" type="datetimeFigureOut">
               <a:rPr lang="da-DK" smtClean="0"/>
-              <a:t>18-05-2016</a:t>
+              <a:t>19-05-2016</a:t>
             </a:fld>
             <a:endParaRPr lang="da-DK"/>
           </a:p>
@@ -1820,7 +1825,7 @@
           <a:p>
             <a:fld id="{6AB9F159-B0E7-452B-BB75-8DD1E37CC682}" type="datetimeFigureOut">
               <a:rPr lang="da-DK" smtClean="0"/>
-              <a:t>18-05-2016</a:t>
+              <a:t>19-05-2016</a:t>
             </a:fld>
             <a:endParaRPr lang="da-DK"/>
           </a:p>
@@ -2097,7 +2102,7 @@
           <a:p>
             <a:fld id="{6AB9F159-B0E7-452B-BB75-8DD1E37CC682}" type="datetimeFigureOut">
               <a:rPr lang="da-DK" smtClean="0"/>
-              <a:t>18-05-2016</a:t>
+              <a:t>19-05-2016</a:t>
             </a:fld>
             <a:endParaRPr lang="da-DK"/>
           </a:p>
@@ -2350,7 +2355,7 @@
           <a:p>
             <a:fld id="{6AB9F159-B0E7-452B-BB75-8DD1E37CC682}" type="datetimeFigureOut">
               <a:rPr lang="da-DK" smtClean="0"/>
-              <a:t>18-05-2016</a:t>
+              <a:t>19-05-2016</a:t>
             </a:fld>
             <a:endParaRPr lang="da-DK"/>
           </a:p>
@@ -2563,7 +2568,7 @@
           <a:p>
             <a:fld id="{6AB9F159-B0E7-452B-BB75-8DD1E37CC682}" type="datetimeFigureOut">
               <a:rPr lang="da-DK" smtClean="0"/>
-              <a:t>18-05-2016</a:t>
+              <a:t>19-05-2016</a:t>
             </a:fld>
             <a:endParaRPr lang="da-DK"/>
           </a:p>
@@ -3350,7 +3355,7 @@
       </p:sp>
       <p:pic>
         <p:nvPicPr>
-          <p:cNvPr id="5" name="Pladsholder til indhold 4"/>
+          <p:cNvPr id="4" name="Pladsholder til indhold 3"/>
           <p:cNvPicPr>
             <a:picLocks noGrp="1" noChangeAspect="1"/>
           </p:cNvPicPr>
@@ -3372,8 +3377,8 @@
         </p:blipFill>
         <p:spPr>
           <a:xfrm>
-            <a:off x="2140002" y="142599"/>
-            <a:ext cx="7613598" cy="6665848"/>
+            <a:off x="2563279" y="209006"/>
+            <a:ext cx="6906001" cy="6046334"/>
           </a:xfrm>
         </p:spPr>
       </p:pic>
@@ -3428,7 +3433,7 @@
       </p:sp>
       <p:pic>
         <p:nvPicPr>
-          <p:cNvPr id="4" name="Pladsholder til indhold 3"/>
+          <p:cNvPr id="5" name="Pladsholder til indhold 4"/>
           <p:cNvPicPr>
             <a:picLocks noGrp="1" noChangeAspect="1"/>
           </p:cNvPicPr>
@@ -3450,8 +3455,8 @@
         </p:blipFill>
         <p:spPr>
           <a:xfrm>
-            <a:off x="1444900" y="365125"/>
-            <a:ext cx="9860987" cy="5532092"/>
+            <a:off x="1608500" y="1027906"/>
+            <a:ext cx="9745300" cy="5467191"/>
           </a:xfrm>
         </p:spPr>
       </p:pic>

--- a/Fremlæggelse.pptx
+++ b/Fremlæggelse.pptx
@@ -4,12 +4,17 @@
   <p:sldMasterIdLst>
     <p:sldMasterId id="2147483648" r:id="rId1"/>
   </p:sldMasterIdLst>
+  <p:notesMasterIdLst>
+    <p:notesMasterId r:id="rId9"/>
+  </p:notesMasterIdLst>
   <p:sldIdLst>
     <p:sldId id="256" r:id="rId2"/>
     <p:sldId id="257" r:id="rId3"/>
     <p:sldId id="258" r:id="rId4"/>
-    <p:sldId id="259" r:id="rId5"/>
-    <p:sldId id="260" r:id="rId6"/>
+    <p:sldId id="261" r:id="rId5"/>
+    <p:sldId id="259" r:id="rId6"/>
+    <p:sldId id="262" r:id="rId7"/>
+    <p:sldId id="260" r:id="rId8"/>
   </p:sldIdLst>
   <p:sldSz cx="12192000" cy="6858000"/>
   <p:notesSz cx="6858000" cy="9144000"/>
@@ -116,6 +121,903 @@
 </p:presentation>
 </file>
 
+<file path=ppt/notesMasters/notesMaster1.xml><?xml version="1.0" encoding="utf-8"?>
+<p:notesMaster xmlns:a="http://schemas.openxmlformats.org/drawingml/2006/main" xmlns:r="http://schemas.openxmlformats.org/officeDocument/2006/relationships" xmlns:p="http://schemas.openxmlformats.org/presentationml/2006/main">
+  <p:cSld>
+    <p:bg>
+      <p:bgRef idx="1001">
+        <a:schemeClr val="bg1"/>
+      </p:bgRef>
+    </p:bg>
+    <p:spTree>
+      <p:nvGrpSpPr>
+        <p:cNvPr id="1" name=""/>
+        <p:cNvGrpSpPr/>
+        <p:nvPr/>
+      </p:nvGrpSpPr>
+      <p:grpSpPr>
+        <a:xfrm>
+          <a:off x="0" y="0"/>
+          <a:ext cx="0" cy="0"/>
+          <a:chOff x="0" y="0"/>
+          <a:chExt cx="0" cy="0"/>
+        </a:xfrm>
+      </p:grpSpPr>
+      <p:sp>
+        <p:nvSpPr>
+          <p:cNvPr id="2" name="Pladsholder til sidehoved 1"/>
+          <p:cNvSpPr>
+            <a:spLocks noGrp="1"/>
+          </p:cNvSpPr>
+          <p:nvPr>
+            <p:ph type="hdr" sz="quarter"/>
+          </p:nvPr>
+        </p:nvSpPr>
+        <p:spPr>
+          <a:xfrm>
+            <a:off x="0" y="0"/>
+            <a:ext cx="2971800" cy="458788"/>
+          </a:xfrm>
+          <a:prstGeom prst="rect">
+            <a:avLst/>
+          </a:prstGeom>
+        </p:spPr>
+        <p:txBody>
+          <a:bodyPr vert="horz" lIns="91440" tIns="45720" rIns="91440" bIns="45720" rtlCol="0"/>
+          <a:lstStyle>
+            <a:lvl1pPr algn="l">
+              <a:defRPr sz="1200"/>
+            </a:lvl1pPr>
+          </a:lstStyle>
+          <a:p>
+            <a:endParaRPr lang="da-DK"/>
+          </a:p>
+        </p:txBody>
+      </p:sp>
+      <p:sp>
+        <p:nvSpPr>
+          <p:cNvPr id="3" name="Pladsholder til dato 2"/>
+          <p:cNvSpPr>
+            <a:spLocks noGrp="1"/>
+          </p:cNvSpPr>
+          <p:nvPr>
+            <p:ph type="dt" idx="1"/>
+          </p:nvPr>
+        </p:nvSpPr>
+        <p:spPr>
+          <a:xfrm>
+            <a:off x="3884613" y="0"/>
+            <a:ext cx="2971800" cy="458788"/>
+          </a:xfrm>
+          <a:prstGeom prst="rect">
+            <a:avLst/>
+          </a:prstGeom>
+        </p:spPr>
+        <p:txBody>
+          <a:bodyPr vert="horz" lIns="91440" tIns="45720" rIns="91440" bIns="45720" rtlCol="0"/>
+          <a:lstStyle>
+            <a:lvl1pPr algn="r">
+              <a:defRPr sz="1200"/>
+            </a:lvl1pPr>
+          </a:lstStyle>
+          <a:p>
+            <a:fld id="{A0A9D5D8-0ECE-48D6-8CB9-9538F2A6A9F8}" type="datetimeFigureOut">
+              <a:rPr lang="da-DK" smtClean="0"/>
+              <a:t>21-05-2016</a:t>
+            </a:fld>
+            <a:endParaRPr lang="da-DK"/>
+          </a:p>
+        </p:txBody>
+      </p:sp>
+      <p:sp>
+        <p:nvSpPr>
+          <p:cNvPr id="4" name="Pladsholder til slidebillede 3"/>
+          <p:cNvSpPr>
+            <a:spLocks noGrp="1" noRot="1" noChangeAspect="1"/>
+          </p:cNvSpPr>
+          <p:nvPr>
+            <p:ph type="sldImg" idx="2"/>
+          </p:nvPr>
+        </p:nvSpPr>
+        <p:spPr>
+          <a:xfrm>
+            <a:off x="685800" y="1143000"/>
+            <a:ext cx="5486400" cy="3086100"/>
+          </a:xfrm>
+          <a:prstGeom prst="rect">
+            <a:avLst/>
+          </a:prstGeom>
+          <a:noFill/>
+          <a:ln w="12700">
+            <a:solidFill>
+              <a:prstClr val="black"/>
+            </a:solidFill>
+          </a:ln>
+        </p:spPr>
+        <p:txBody>
+          <a:bodyPr vert="horz" lIns="91440" tIns="45720" rIns="91440" bIns="45720" rtlCol="0" anchor="ctr"/>
+          <a:lstStyle/>
+          <a:p>
+            <a:endParaRPr lang="da-DK"/>
+          </a:p>
+        </p:txBody>
+      </p:sp>
+      <p:sp>
+        <p:nvSpPr>
+          <p:cNvPr id="5" name="Pladsholder til noter 4"/>
+          <p:cNvSpPr>
+            <a:spLocks noGrp="1"/>
+          </p:cNvSpPr>
+          <p:nvPr>
+            <p:ph type="body" sz="quarter" idx="3"/>
+          </p:nvPr>
+        </p:nvSpPr>
+        <p:spPr>
+          <a:xfrm>
+            <a:off x="685800" y="4400550"/>
+            <a:ext cx="5486400" cy="3600450"/>
+          </a:xfrm>
+          <a:prstGeom prst="rect">
+            <a:avLst/>
+          </a:prstGeom>
+        </p:spPr>
+        <p:txBody>
+          <a:bodyPr vert="horz" lIns="91440" tIns="45720" rIns="91440" bIns="45720" rtlCol="0"/>
+          <a:lstStyle/>
+          <a:p>
+            <a:pPr lvl="0"/>
+            <a:r>
+              <a:rPr lang="da-DK" smtClean="0"/>
+              <a:t>Klik for at redigere i master</a:t>
+            </a:r>
+          </a:p>
+          <a:p>
+            <a:pPr lvl="1"/>
+            <a:r>
+              <a:rPr lang="da-DK" smtClean="0"/>
+              <a:t>Andet niveau</a:t>
+            </a:r>
+          </a:p>
+          <a:p>
+            <a:pPr lvl="2"/>
+            <a:r>
+              <a:rPr lang="da-DK" smtClean="0"/>
+              <a:t>Tredje niveau</a:t>
+            </a:r>
+          </a:p>
+          <a:p>
+            <a:pPr lvl="3"/>
+            <a:r>
+              <a:rPr lang="da-DK" smtClean="0"/>
+              <a:t>Fjerde niveau</a:t>
+            </a:r>
+          </a:p>
+          <a:p>
+            <a:pPr lvl="4"/>
+            <a:r>
+              <a:rPr lang="da-DK" smtClean="0"/>
+              <a:t>Femte niveau</a:t>
+            </a:r>
+            <a:endParaRPr lang="da-DK"/>
+          </a:p>
+        </p:txBody>
+      </p:sp>
+      <p:sp>
+        <p:nvSpPr>
+          <p:cNvPr id="6" name="Pladsholder til sidefod 5"/>
+          <p:cNvSpPr>
+            <a:spLocks noGrp="1"/>
+          </p:cNvSpPr>
+          <p:nvPr>
+            <p:ph type="ftr" sz="quarter" idx="4"/>
+          </p:nvPr>
+        </p:nvSpPr>
+        <p:spPr>
+          <a:xfrm>
+            <a:off x="0" y="8685213"/>
+            <a:ext cx="2971800" cy="458787"/>
+          </a:xfrm>
+          <a:prstGeom prst="rect">
+            <a:avLst/>
+          </a:prstGeom>
+        </p:spPr>
+        <p:txBody>
+          <a:bodyPr vert="horz" lIns="91440" tIns="45720" rIns="91440" bIns="45720" rtlCol="0" anchor="b"/>
+          <a:lstStyle>
+            <a:lvl1pPr algn="l">
+              <a:defRPr sz="1200"/>
+            </a:lvl1pPr>
+          </a:lstStyle>
+          <a:p>
+            <a:endParaRPr lang="da-DK"/>
+          </a:p>
+        </p:txBody>
+      </p:sp>
+      <p:sp>
+        <p:nvSpPr>
+          <p:cNvPr id="7" name="Pladsholder til slidenummer 6"/>
+          <p:cNvSpPr>
+            <a:spLocks noGrp="1"/>
+          </p:cNvSpPr>
+          <p:nvPr>
+            <p:ph type="sldNum" sz="quarter" idx="5"/>
+          </p:nvPr>
+        </p:nvSpPr>
+        <p:spPr>
+          <a:xfrm>
+            <a:off x="3884613" y="8685213"/>
+            <a:ext cx="2971800" cy="458787"/>
+          </a:xfrm>
+          <a:prstGeom prst="rect">
+            <a:avLst/>
+          </a:prstGeom>
+        </p:spPr>
+        <p:txBody>
+          <a:bodyPr vert="horz" lIns="91440" tIns="45720" rIns="91440" bIns="45720" rtlCol="0" anchor="b"/>
+          <a:lstStyle>
+            <a:lvl1pPr algn="r">
+              <a:defRPr sz="1200"/>
+            </a:lvl1pPr>
+          </a:lstStyle>
+          <a:p>
+            <a:fld id="{69915A3D-7FB9-4F1F-9F96-CF4BDEE8822B}" type="slidenum">
+              <a:rPr lang="da-DK" smtClean="0"/>
+              <a:t>‹nr.›</a:t>
+            </a:fld>
+            <a:endParaRPr lang="da-DK"/>
+          </a:p>
+        </p:txBody>
+      </p:sp>
+    </p:spTree>
+    <p:extLst>
+      <p:ext uri="{BB962C8B-B14F-4D97-AF65-F5344CB8AC3E}">
+        <p14:creationId xmlns:p14="http://schemas.microsoft.com/office/powerpoint/2010/main" val="660340068"/>
+      </p:ext>
+    </p:extLst>
+  </p:cSld>
+  <p:clrMap bg1="lt1" tx1="dk1" bg2="lt2" tx2="dk2" accent1="accent1" accent2="accent2" accent3="accent3" accent4="accent4" accent5="accent5" accent6="accent6" hlink="hlink" folHlink="folHlink"/>
+  <p:notesStyle>
+    <a:lvl1pPr marL="0" algn="l" defTabSz="914400" rtl="0" eaLnBrk="1" latinLnBrk="0" hangingPunct="1">
+      <a:defRPr sz="1200" kern="1200">
+        <a:solidFill>
+          <a:schemeClr val="tx1"/>
+        </a:solidFill>
+        <a:latin typeface="+mn-lt"/>
+        <a:ea typeface="+mn-ea"/>
+        <a:cs typeface="+mn-cs"/>
+      </a:defRPr>
+    </a:lvl1pPr>
+    <a:lvl2pPr marL="457200" algn="l" defTabSz="914400" rtl="0" eaLnBrk="1" latinLnBrk="0" hangingPunct="1">
+      <a:defRPr sz="1200" kern="1200">
+        <a:solidFill>
+          <a:schemeClr val="tx1"/>
+        </a:solidFill>
+        <a:latin typeface="+mn-lt"/>
+        <a:ea typeface="+mn-ea"/>
+        <a:cs typeface="+mn-cs"/>
+      </a:defRPr>
+    </a:lvl2pPr>
+    <a:lvl3pPr marL="914400" algn="l" defTabSz="914400" rtl="0" eaLnBrk="1" latinLnBrk="0" hangingPunct="1">
+      <a:defRPr sz="1200" kern="1200">
+        <a:solidFill>
+          <a:schemeClr val="tx1"/>
+        </a:solidFill>
+        <a:latin typeface="+mn-lt"/>
+        <a:ea typeface="+mn-ea"/>
+        <a:cs typeface="+mn-cs"/>
+      </a:defRPr>
+    </a:lvl3pPr>
+    <a:lvl4pPr marL="1371600" algn="l" defTabSz="914400" rtl="0" eaLnBrk="1" latinLnBrk="0" hangingPunct="1">
+      <a:defRPr sz="1200" kern="1200">
+        <a:solidFill>
+          <a:schemeClr val="tx1"/>
+        </a:solidFill>
+        <a:latin typeface="+mn-lt"/>
+        <a:ea typeface="+mn-ea"/>
+        <a:cs typeface="+mn-cs"/>
+      </a:defRPr>
+    </a:lvl4pPr>
+    <a:lvl5pPr marL="1828800" algn="l" defTabSz="914400" rtl="0" eaLnBrk="1" latinLnBrk="0" hangingPunct="1">
+      <a:defRPr sz="1200" kern="1200">
+        <a:solidFill>
+          <a:schemeClr val="tx1"/>
+        </a:solidFill>
+        <a:latin typeface="+mn-lt"/>
+        <a:ea typeface="+mn-ea"/>
+        <a:cs typeface="+mn-cs"/>
+      </a:defRPr>
+    </a:lvl5pPr>
+    <a:lvl6pPr marL="2286000" algn="l" defTabSz="914400" rtl="0" eaLnBrk="1" latinLnBrk="0" hangingPunct="1">
+      <a:defRPr sz="1200" kern="1200">
+        <a:solidFill>
+          <a:schemeClr val="tx1"/>
+        </a:solidFill>
+        <a:latin typeface="+mn-lt"/>
+        <a:ea typeface="+mn-ea"/>
+        <a:cs typeface="+mn-cs"/>
+      </a:defRPr>
+    </a:lvl6pPr>
+    <a:lvl7pPr marL="2743200" algn="l" defTabSz="914400" rtl="0" eaLnBrk="1" latinLnBrk="0" hangingPunct="1">
+      <a:defRPr sz="1200" kern="1200">
+        <a:solidFill>
+          <a:schemeClr val="tx1"/>
+        </a:solidFill>
+        <a:latin typeface="+mn-lt"/>
+        <a:ea typeface="+mn-ea"/>
+        <a:cs typeface="+mn-cs"/>
+      </a:defRPr>
+    </a:lvl7pPr>
+    <a:lvl8pPr marL="3200400" algn="l" defTabSz="914400" rtl="0" eaLnBrk="1" latinLnBrk="0" hangingPunct="1">
+      <a:defRPr sz="1200" kern="1200">
+        <a:solidFill>
+          <a:schemeClr val="tx1"/>
+        </a:solidFill>
+        <a:latin typeface="+mn-lt"/>
+        <a:ea typeface="+mn-ea"/>
+        <a:cs typeface="+mn-cs"/>
+      </a:defRPr>
+    </a:lvl8pPr>
+    <a:lvl9pPr marL="3657600" algn="l" defTabSz="914400" rtl="0" eaLnBrk="1" latinLnBrk="0" hangingPunct="1">
+      <a:defRPr sz="1200" kern="1200">
+        <a:solidFill>
+          <a:schemeClr val="tx1"/>
+        </a:solidFill>
+        <a:latin typeface="+mn-lt"/>
+        <a:ea typeface="+mn-ea"/>
+        <a:cs typeface="+mn-cs"/>
+      </a:defRPr>
+    </a:lvl9pPr>
+  </p:notesStyle>
+</p:notesMaster>
+</file>
+
+<file path=ppt/notesSlides/notesSlide1.xml><?xml version="1.0" encoding="utf-8"?>
+<p:notes xmlns:a="http://schemas.openxmlformats.org/drawingml/2006/main" xmlns:r="http://schemas.openxmlformats.org/officeDocument/2006/relationships" xmlns:p="http://schemas.openxmlformats.org/presentationml/2006/main">
+  <p:cSld>
+    <p:spTree>
+      <p:nvGrpSpPr>
+        <p:cNvPr id="1" name=""/>
+        <p:cNvGrpSpPr/>
+        <p:nvPr/>
+      </p:nvGrpSpPr>
+      <p:grpSpPr>
+        <a:xfrm>
+          <a:off x="0" y="0"/>
+          <a:ext cx="0" cy="0"/>
+          <a:chOff x="0" y="0"/>
+          <a:chExt cx="0" cy="0"/>
+        </a:xfrm>
+      </p:grpSpPr>
+      <p:sp>
+        <p:nvSpPr>
+          <p:cNvPr id="2" name="Pladsholder til slidebillede 1"/>
+          <p:cNvSpPr>
+            <a:spLocks noGrp="1" noRot="1" noChangeAspect="1"/>
+          </p:cNvSpPr>
+          <p:nvPr>
+            <p:ph type="sldImg"/>
+          </p:nvPr>
+        </p:nvSpPr>
+        <p:spPr/>
+      </p:sp>
+      <p:sp>
+        <p:nvSpPr>
+          <p:cNvPr id="3" name="Pladsholder til noter 2"/>
+          <p:cNvSpPr>
+            <a:spLocks noGrp="1"/>
+          </p:cNvSpPr>
+          <p:nvPr>
+            <p:ph type="body" idx="1"/>
+          </p:nvPr>
+        </p:nvSpPr>
+        <p:spPr/>
+        <p:txBody>
+          <a:bodyPr/>
+          <a:lstStyle/>
+          <a:p>
+            <a:r>
+              <a:rPr lang="da-DK" dirty="0" smtClean="0"/>
+              <a:t>Martin</a:t>
+            </a:r>
+            <a:endParaRPr lang="da-DK" dirty="0"/>
+          </a:p>
+        </p:txBody>
+      </p:sp>
+      <p:sp>
+        <p:nvSpPr>
+          <p:cNvPr id="4" name="Pladsholder til slidenummer 3"/>
+          <p:cNvSpPr>
+            <a:spLocks noGrp="1"/>
+          </p:cNvSpPr>
+          <p:nvPr>
+            <p:ph type="sldNum" sz="quarter" idx="10"/>
+          </p:nvPr>
+        </p:nvSpPr>
+        <p:spPr/>
+        <p:txBody>
+          <a:bodyPr/>
+          <a:lstStyle/>
+          <a:p>
+            <a:fld id="{69915A3D-7FB9-4F1F-9F96-CF4BDEE8822B}" type="slidenum">
+              <a:rPr lang="da-DK" smtClean="0"/>
+              <a:t>1</a:t>
+            </a:fld>
+            <a:endParaRPr lang="da-DK"/>
+          </a:p>
+        </p:txBody>
+      </p:sp>
+    </p:spTree>
+    <p:extLst>
+      <p:ext uri="{BB962C8B-B14F-4D97-AF65-F5344CB8AC3E}">
+        <p14:creationId xmlns:p14="http://schemas.microsoft.com/office/powerpoint/2010/main" val="1333889266"/>
+      </p:ext>
+    </p:extLst>
+  </p:cSld>
+  <p:clrMapOvr>
+    <a:masterClrMapping/>
+  </p:clrMapOvr>
+</p:notes>
+</file>
+
+<file path=ppt/notesSlides/notesSlide2.xml><?xml version="1.0" encoding="utf-8"?>
+<p:notes xmlns:a="http://schemas.openxmlformats.org/drawingml/2006/main" xmlns:r="http://schemas.openxmlformats.org/officeDocument/2006/relationships" xmlns:p="http://schemas.openxmlformats.org/presentationml/2006/main">
+  <p:cSld>
+    <p:spTree>
+      <p:nvGrpSpPr>
+        <p:cNvPr id="1" name=""/>
+        <p:cNvGrpSpPr/>
+        <p:nvPr/>
+      </p:nvGrpSpPr>
+      <p:grpSpPr>
+        <a:xfrm>
+          <a:off x="0" y="0"/>
+          <a:ext cx="0" cy="0"/>
+          <a:chOff x="0" y="0"/>
+          <a:chExt cx="0" cy="0"/>
+        </a:xfrm>
+      </p:grpSpPr>
+      <p:sp>
+        <p:nvSpPr>
+          <p:cNvPr id="2" name="Pladsholder til slidebillede 1"/>
+          <p:cNvSpPr>
+            <a:spLocks noGrp="1" noRot="1" noChangeAspect="1"/>
+          </p:cNvSpPr>
+          <p:nvPr>
+            <p:ph type="sldImg"/>
+          </p:nvPr>
+        </p:nvSpPr>
+        <p:spPr/>
+      </p:sp>
+      <p:sp>
+        <p:nvSpPr>
+          <p:cNvPr id="3" name="Pladsholder til noter 2"/>
+          <p:cNvSpPr>
+            <a:spLocks noGrp="1"/>
+          </p:cNvSpPr>
+          <p:nvPr>
+            <p:ph type="body" idx="1"/>
+          </p:nvPr>
+        </p:nvSpPr>
+        <p:spPr/>
+        <p:txBody>
+          <a:bodyPr/>
+          <a:lstStyle/>
+          <a:p>
+            <a:r>
+              <a:rPr lang="da-DK" dirty="0" smtClean="0"/>
+              <a:t>Martin the </a:t>
+            </a:r>
+            <a:r>
+              <a:rPr lang="da-DK" dirty="0" err="1" smtClean="0"/>
+              <a:t>king</a:t>
+            </a:r>
+            <a:r>
+              <a:rPr lang="da-DK" dirty="0" smtClean="0"/>
+              <a:t> of</a:t>
+            </a:r>
+            <a:r>
+              <a:rPr lang="da-DK" baseline="0" dirty="0" smtClean="0"/>
+              <a:t> the </a:t>
+            </a:r>
+            <a:r>
+              <a:rPr lang="da-DK" baseline="0" dirty="0" err="1" smtClean="0"/>
+              <a:t>underworld</a:t>
+            </a:r>
+            <a:endParaRPr lang="da-DK" baseline="0" dirty="0" smtClean="0"/>
+          </a:p>
+          <a:p>
+            <a:endParaRPr lang="da-DK" baseline="0" dirty="0" smtClean="0"/>
+          </a:p>
+        </p:txBody>
+      </p:sp>
+      <p:sp>
+        <p:nvSpPr>
+          <p:cNvPr id="4" name="Pladsholder til slidenummer 3"/>
+          <p:cNvSpPr>
+            <a:spLocks noGrp="1"/>
+          </p:cNvSpPr>
+          <p:nvPr>
+            <p:ph type="sldNum" sz="quarter" idx="10"/>
+          </p:nvPr>
+        </p:nvSpPr>
+        <p:spPr/>
+        <p:txBody>
+          <a:bodyPr/>
+          <a:lstStyle/>
+          <a:p>
+            <a:fld id="{69915A3D-7FB9-4F1F-9F96-CF4BDEE8822B}" type="slidenum">
+              <a:rPr lang="da-DK" smtClean="0"/>
+              <a:t>2</a:t>
+            </a:fld>
+            <a:endParaRPr lang="da-DK"/>
+          </a:p>
+        </p:txBody>
+      </p:sp>
+    </p:spTree>
+    <p:extLst>
+      <p:ext uri="{BB962C8B-B14F-4D97-AF65-F5344CB8AC3E}">
+        <p14:creationId xmlns:p14="http://schemas.microsoft.com/office/powerpoint/2010/main" val="4237100608"/>
+      </p:ext>
+    </p:extLst>
+  </p:cSld>
+  <p:clrMapOvr>
+    <a:masterClrMapping/>
+  </p:clrMapOvr>
+</p:notes>
+</file>
+
+<file path=ppt/notesSlides/notesSlide3.xml><?xml version="1.0" encoding="utf-8"?>
+<p:notes xmlns:a="http://schemas.openxmlformats.org/drawingml/2006/main" xmlns:r="http://schemas.openxmlformats.org/officeDocument/2006/relationships" xmlns:p="http://schemas.openxmlformats.org/presentationml/2006/main">
+  <p:cSld>
+    <p:spTree>
+      <p:nvGrpSpPr>
+        <p:cNvPr id="1" name=""/>
+        <p:cNvGrpSpPr/>
+        <p:nvPr/>
+      </p:nvGrpSpPr>
+      <p:grpSpPr>
+        <a:xfrm>
+          <a:off x="0" y="0"/>
+          <a:ext cx="0" cy="0"/>
+          <a:chOff x="0" y="0"/>
+          <a:chExt cx="0" cy="0"/>
+        </a:xfrm>
+      </p:grpSpPr>
+      <p:sp>
+        <p:nvSpPr>
+          <p:cNvPr id="2" name="Pladsholder til slidebillede 1"/>
+          <p:cNvSpPr>
+            <a:spLocks noGrp="1" noRot="1" noChangeAspect="1"/>
+          </p:cNvSpPr>
+          <p:nvPr>
+            <p:ph type="sldImg"/>
+          </p:nvPr>
+        </p:nvSpPr>
+        <p:spPr/>
+      </p:sp>
+      <p:sp>
+        <p:nvSpPr>
+          <p:cNvPr id="3" name="Pladsholder til noter 2"/>
+          <p:cNvSpPr>
+            <a:spLocks noGrp="1"/>
+          </p:cNvSpPr>
+          <p:nvPr>
+            <p:ph type="body" idx="1"/>
+          </p:nvPr>
+        </p:nvSpPr>
+        <p:spPr/>
+        <p:txBody>
+          <a:bodyPr/>
+          <a:lstStyle/>
+          <a:p>
+            <a:r>
+              <a:rPr lang="da-DK" dirty="0" smtClean="0"/>
+              <a:t>Christoffer</a:t>
+            </a:r>
+            <a:endParaRPr lang="da-DK" dirty="0"/>
+          </a:p>
+        </p:txBody>
+      </p:sp>
+      <p:sp>
+        <p:nvSpPr>
+          <p:cNvPr id="4" name="Pladsholder til slidenummer 3"/>
+          <p:cNvSpPr>
+            <a:spLocks noGrp="1"/>
+          </p:cNvSpPr>
+          <p:nvPr>
+            <p:ph type="sldNum" sz="quarter" idx="10"/>
+          </p:nvPr>
+        </p:nvSpPr>
+        <p:spPr/>
+        <p:txBody>
+          <a:bodyPr/>
+          <a:lstStyle/>
+          <a:p>
+            <a:fld id="{69915A3D-7FB9-4F1F-9F96-CF4BDEE8822B}" type="slidenum">
+              <a:rPr lang="da-DK" smtClean="0"/>
+              <a:t>3</a:t>
+            </a:fld>
+            <a:endParaRPr lang="da-DK"/>
+          </a:p>
+        </p:txBody>
+      </p:sp>
+    </p:spTree>
+    <p:extLst>
+      <p:ext uri="{BB962C8B-B14F-4D97-AF65-F5344CB8AC3E}">
+        <p14:creationId xmlns:p14="http://schemas.microsoft.com/office/powerpoint/2010/main" val="175838429"/>
+      </p:ext>
+    </p:extLst>
+  </p:cSld>
+  <p:clrMapOvr>
+    <a:masterClrMapping/>
+  </p:clrMapOvr>
+</p:notes>
+</file>
+
+<file path=ppt/notesSlides/notesSlide4.xml><?xml version="1.0" encoding="utf-8"?>
+<p:notes xmlns:a="http://schemas.openxmlformats.org/drawingml/2006/main" xmlns:r="http://schemas.openxmlformats.org/officeDocument/2006/relationships" xmlns:p="http://schemas.openxmlformats.org/presentationml/2006/main">
+  <p:cSld>
+    <p:spTree>
+      <p:nvGrpSpPr>
+        <p:cNvPr id="1" name=""/>
+        <p:cNvGrpSpPr/>
+        <p:nvPr/>
+      </p:nvGrpSpPr>
+      <p:grpSpPr>
+        <a:xfrm>
+          <a:off x="0" y="0"/>
+          <a:ext cx="0" cy="0"/>
+          <a:chOff x="0" y="0"/>
+          <a:chExt cx="0" cy="0"/>
+        </a:xfrm>
+      </p:grpSpPr>
+      <p:sp>
+        <p:nvSpPr>
+          <p:cNvPr id="2" name="Pladsholder til slidebillede 1"/>
+          <p:cNvSpPr>
+            <a:spLocks noGrp="1" noRot="1" noChangeAspect="1"/>
+          </p:cNvSpPr>
+          <p:nvPr>
+            <p:ph type="sldImg"/>
+          </p:nvPr>
+        </p:nvSpPr>
+        <p:spPr/>
+      </p:sp>
+      <p:sp>
+        <p:nvSpPr>
+          <p:cNvPr id="3" name="Pladsholder til noter 2"/>
+          <p:cNvSpPr>
+            <a:spLocks noGrp="1"/>
+          </p:cNvSpPr>
+          <p:nvPr>
+            <p:ph type="body" idx="1"/>
+          </p:nvPr>
+        </p:nvSpPr>
+        <p:spPr/>
+        <p:txBody>
+          <a:bodyPr/>
+          <a:lstStyle/>
+          <a:p>
+            <a:r>
+              <a:rPr lang="da-DK" dirty="0" smtClean="0"/>
+              <a:t>Peter K</a:t>
+            </a:r>
+            <a:endParaRPr lang="da-DK" dirty="0"/>
+          </a:p>
+        </p:txBody>
+      </p:sp>
+      <p:sp>
+        <p:nvSpPr>
+          <p:cNvPr id="4" name="Pladsholder til slidenummer 3"/>
+          <p:cNvSpPr>
+            <a:spLocks noGrp="1"/>
+          </p:cNvSpPr>
+          <p:nvPr>
+            <p:ph type="sldNum" sz="quarter" idx="10"/>
+          </p:nvPr>
+        </p:nvSpPr>
+        <p:spPr/>
+        <p:txBody>
+          <a:bodyPr/>
+          <a:lstStyle/>
+          <a:p>
+            <a:fld id="{69915A3D-7FB9-4F1F-9F96-CF4BDEE8822B}" type="slidenum">
+              <a:rPr lang="da-DK" smtClean="0"/>
+              <a:t>4</a:t>
+            </a:fld>
+            <a:endParaRPr lang="da-DK"/>
+          </a:p>
+        </p:txBody>
+      </p:sp>
+    </p:spTree>
+    <p:extLst>
+      <p:ext uri="{BB962C8B-B14F-4D97-AF65-F5344CB8AC3E}">
+        <p14:creationId xmlns:p14="http://schemas.microsoft.com/office/powerpoint/2010/main" val="1221972618"/>
+      </p:ext>
+    </p:extLst>
+  </p:cSld>
+  <p:clrMapOvr>
+    <a:masterClrMapping/>
+  </p:clrMapOvr>
+</p:notes>
+</file>
+
+<file path=ppt/notesSlides/notesSlide5.xml><?xml version="1.0" encoding="utf-8"?>
+<p:notes xmlns:a="http://schemas.openxmlformats.org/drawingml/2006/main" xmlns:r="http://schemas.openxmlformats.org/officeDocument/2006/relationships" xmlns:p="http://schemas.openxmlformats.org/presentationml/2006/main">
+  <p:cSld>
+    <p:spTree>
+      <p:nvGrpSpPr>
+        <p:cNvPr id="1" name=""/>
+        <p:cNvGrpSpPr/>
+        <p:nvPr/>
+      </p:nvGrpSpPr>
+      <p:grpSpPr>
+        <a:xfrm>
+          <a:off x="0" y="0"/>
+          <a:ext cx="0" cy="0"/>
+          <a:chOff x="0" y="0"/>
+          <a:chExt cx="0" cy="0"/>
+        </a:xfrm>
+      </p:grpSpPr>
+      <p:sp>
+        <p:nvSpPr>
+          <p:cNvPr id="2" name="Pladsholder til slidebillede 1"/>
+          <p:cNvSpPr>
+            <a:spLocks noGrp="1" noRot="1" noChangeAspect="1"/>
+          </p:cNvSpPr>
+          <p:nvPr>
+            <p:ph type="sldImg"/>
+          </p:nvPr>
+        </p:nvSpPr>
+        <p:spPr/>
+      </p:sp>
+      <p:sp>
+        <p:nvSpPr>
+          <p:cNvPr id="3" name="Pladsholder til noter 2"/>
+          <p:cNvSpPr>
+            <a:spLocks noGrp="1"/>
+          </p:cNvSpPr>
+          <p:nvPr>
+            <p:ph type="body" idx="1"/>
+          </p:nvPr>
+        </p:nvSpPr>
+        <p:spPr/>
+        <p:txBody>
+          <a:bodyPr/>
+          <a:lstStyle/>
+          <a:p>
+            <a:r>
+              <a:rPr lang="da-DK" dirty="0" smtClean="0"/>
+              <a:t>Nikolaj</a:t>
+            </a:r>
+            <a:endParaRPr lang="da-DK" dirty="0"/>
+          </a:p>
+        </p:txBody>
+      </p:sp>
+      <p:sp>
+        <p:nvSpPr>
+          <p:cNvPr id="4" name="Pladsholder til slidenummer 3"/>
+          <p:cNvSpPr>
+            <a:spLocks noGrp="1"/>
+          </p:cNvSpPr>
+          <p:nvPr>
+            <p:ph type="sldNum" sz="quarter" idx="10"/>
+          </p:nvPr>
+        </p:nvSpPr>
+        <p:spPr/>
+        <p:txBody>
+          <a:bodyPr/>
+          <a:lstStyle/>
+          <a:p>
+            <a:fld id="{69915A3D-7FB9-4F1F-9F96-CF4BDEE8822B}" type="slidenum">
+              <a:rPr lang="da-DK" smtClean="0"/>
+              <a:t>5</a:t>
+            </a:fld>
+            <a:endParaRPr lang="da-DK"/>
+          </a:p>
+        </p:txBody>
+      </p:sp>
+    </p:spTree>
+    <p:extLst>
+      <p:ext uri="{BB962C8B-B14F-4D97-AF65-F5344CB8AC3E}">
+        <p14:creationId xmlns:p14="http://schemas.microsoft.com/office/powerpoint/2010/main" val="1677110887"/>
+      </p:ext>
+    </p:extLst>
+  </p:cSld>
+  <p:clrMapOvr>
+    <a:masterClrMapping/>
+  </p:clrMapOvr>
+</p:notes>
+</file>
+
+<file path=ppt/notesSlides/notesSlide6.xml><?xml version="1.0" encoding="utf-8"?>
+<p:notes xmlns:a="http://schemas.openxmlformats.org/drawingml/2006/main" xmlns:r="http://schemas.openxmlformats.org/officeDocument/2006/relationships" xmlns:p="http://schemas.openxmlformats.org/presentationml/2006/main">
+  <p:cSld>
+    <p:spTree>
+      <p:nvGrpSpPr>
+        <p:cNvPr id="1" name=""/>
+        <p:cNvGrpSpPr/>
+        <p:nvPr/>
+      </p:nvGrpSpPr>
+      <p:grpSpPr>
+        <a:xfrm>
+          <a:off x="0" y="0"/>
+          <a:ext cx="0" cy="0"/>
+          <a:chOff x="0" y="0"/>
+          <a:chExt cx="0" cy="0"/>
+        </a:xfrm>
+      </p:grpSpPr>
+      <p:sp>
+        <p:nvSpPr>
+          <p:cNvPr id="2" name="Pladsholder til slidebillede 1"/>
+          <p:cNvSpPr>
+            <a:spLocks noGrp="1" noRot="1" noChangeAspect="1"/>
+          </p:cNvSpPr>
+          <p:nvPr>
+            <p:ph type="sldImg"/>
+          </p:nvPr>
+        </p:nvSpPr>
+        <p:spPr/>
+      </p:sp>
+      <p:sp>
+        <p:nvSpPr>
+          <p:cNvPr id="3" name="Pladsholder til noter 2"/>
+          <p:cNvSpPr>
+            <a:spLocks noGrp="1"/>
+          </p:cNvSpPr>
+          <p:nvPr>
+            <p:ph type="body" idx="1"/>
+          </p:nvPr>
+        </p:nvSpPr>
+        <p:spPr/>
+        <p:txBody>
+          <a:bodyPr/>
+          <a:lstStyle/>
+          <a:p>
+            <a:r>
+              <a:rPr lang="da-DK" dirty="0" smtClean="0"/>
+              <a:t>Peter H</a:t>
+            </a:r>
+            <a:endParaRPr lang="da-DK" dirty="0"/>
+          </a:p>
+        </p:txBody>
+      </p:sp>
+      <p:sp>
+        <p:nvSpPr>
+          <p:cNvPr id="4" name="Pladsholder til slidenummer 3"/>
+          <p:cNvSpPr>
+            <a:spLocks noGrp="1"/>
+          </p:cNvSpPr>
+          <p:nvPr>
+            <p:ph type="sldNum" sz="quarter" idx="10"/>
+          </p:nvPr>
+        </p:nvSpPr>
+        <p:spPr/>
+        <p:txBody>
+          <a:bodyPr/>
+          <a:lstStyle/>
+          <a:p>
+            <a:fld id="{69915A3D-7FB9-4F1F-9F96-CF4BDEE8822B}" type="slidenum">
+              <a:rPr lang="da-DK" smtClean="0"/>
+              <a:t>6</a:t>
+            </a:fld>
+            <a:endParaRPr lang="da-DK"/>
+          </a:p>
+        </p:txBody>
+      </p:sp>
+    </p:spTree>
+    <p:extLst>
+      <p:ext uri="{BB962C8B-B14F-4D97-AF65-F5344CB8AC3E}">
+        <p14:creationId xmlns:p14="http://schemas.microsoft.com/office/powerpoint/2010/main" val="2780158744"/>
+      </p:ext>
+    </p:extLst>
+  </p:cSld>
+  <p:clrMapOvr>
+    <a:masterClrMapping/>
+  </p:clrMapOvr>
+</p:notes>
+</file>
+
 <file path=ppt/slideLayouts/slideLayout1.xml><?xml version="1.0" encoding="utf-8"?>
 <p:sldLayout xmlns:a="http://schemas.openxmlformats.org/drawingml/2006/main" xmlns:r="http://schemas.openxmlformats.org/officeDocument/2006/relationships" xmlns:p="http://schemas.openxmlformats.org/presentationml/2006/main" type="title" preserve="1">
   <p:cSld name="Titelslide">
@@ -247,7 +1149,7 @@
           <a:p>
             <a:fld id="{6AB9F159-B0E7-452B-BB75-8DD1E37CC682}" type="datetimeFigureOut">
               <a:rPr lang="da-DK" smtClean="0"/>
-              <a:t>19-05-2016</a:t>
+              <a:t>21-05-2016</a:t>
             </a:fld>
             <a:endParaRPr lang="da-DK"/>
           </a:p>
@@ -417,7 +1319,7 @@
           <a:p>
             <a:fld id="{6AB9F159-B0E7-452B-BB75-8DD1E37CC682}" type="datetimeFigureOut">
               <a:rPr lang="da-DK" smtClean="0"/>
-              <a:t>19-05-2016</a:t>
+              <a:t>21-05-2016</a:t>
             </a:fld>
             <a:endParaRPr lang="da-DK"/>
           </a:p>
@@ -597,7 +1499,7 @@
           <a:p>
             <a:fld id="{6AB9F159-B0E7-452B-BB75-8DD1E37CC682}" type="datetimeFigureOut">
               <a:rPr lang="da-DK" smtClean="0"/>
-              <a:t>19-05-2016</a:t>
+              <a:t>21-05-2016</a:t>
             </a:fld>
             <a:endParaRPr lang="da-DK"/>
           </a:p>
@@ -767,7 +1669,7 @@
           <a:p>
             <a:fld id="{6AB9F159-B0E7-452B-BB75-8DD1E37CC682}" type="datetimeFigureOut">
               <a:rPr lang="da-DK" smtClean="0"/>
-              <a:t>19-05-2016</a:t>
+              <a:t>21-05-2016</a:t>
             </a:fld>
             <a:endParaRPr lang="da-DK"/>
           </a:p>
@@ -1013,7 +1915,7 @@
           <a:p>
             <a:fld id="{6AB9F159-B0E7-452B-BB75-8DD1E37CC682}" type="datetimeFigureOut">
               <a:rPr lang="da-DK" smtClean="0"/>
-              <a:t>19-05-2016</a:t>
+              <a:t>21-05-2016</a:t>
             </a:fld>
             <a:endParaRPr lang="da-DK"/>
           </a:p>
@@ -1245,7 +2147,7 @@
           <a:p>
             <a:fld id="{6AB9F159-B0E7-452B-BB75-8DD1E37CC682}" type="datetimeFigureOut">
               <a:rPr lang="da-DK" smtClean="0"/>
-              <a:t>19-05-2016</a:t>
+              <a:t>21-05-2016</a:t>
             </a:fld>
             <a:endParaRPr lang="da-DK"/>
           </a:p>
@@ -1612,7 +2514,7 @@
           <a:p>
             <a:fld id="{6AB9F159-B0E7-452B-BB75-8DD1E37CC682}" type="datetimeFigureOut">
               <a:rPr lang="da-DK" smtClean="0"/>
-              <a:t>19-05-2016</a:t>
+              <a:t>21-05-2016</a:t>
             </a:fld>
             <a:endParaRPr lang="da-DK"/>
           </a:p>
@@ -1730,7 +2632,7 @@
           <a:p>
             <a:fld id="{6AB9F159-B0E7-452B-BB75-8DD1E37CC682}" type="datetimeFigureOut">
               <a:rPr lang="da-DK" smtClean="0"/>
-              <a:t>19-05-2016</a:t>
+              <a:t>21-05-2016</a:t>
             </a:fld>
             <a:endParaRPr lang="da-DK"/>
           </a:p>
@@ -1825,7 +2727,7 @@
           <a:p>
             <a:fld id="{6AB9F159-B0E7-452B-BB75-8DD1E37CC682}" type="datetimeFigureOut">
               <a:rPr lang="da-DK" smtClean="0"/>
-              <a:t>19-05-2016</a:t>
+              <a:t>21-05-2016</a:t>
             </a:fld>
             <a:endParaRPr lang="da-DK"/>
           </a:p>
@@ -2102,7 +3004,7 @@
           <a:p>
             <a:fld id="{6AB9F159-B0E7-452B-BB75-8DD1E37CC682}" type="datetimeFigureOut">
               <a:rPr lang="da-DK" smtClean="0"/>
-              <a:t>19-05-2016</a:t>
+              <a:t>21-05-2016</a:t>
             </a:fld>
             <a:endParaRPr lang="da-DK"/>
           </a:p>
@@ -2355,7 +3257,7 @@
           <a:p>
             <a:fld id="{6AB9F159-B0E7-452B-BB75-8DD1E37CC682}" type="datetimeFigureOut">
               <a:rPr lang="da-DK" smtClean="0"/>
-              <a:t>19-05-2016</a:t>
+              <a:t>21-05-2016</a:t>
             </a:fld>
             <a:endParaRPr lang="da-DK"/>
           </a:p>
@@ -2568,7 +3470,7 @@
           <a:p>
             <a:fld id="{6AB9F159-B0E7-452B-BB75-8DD1E37CC682}" type="datetimeFigureOut">
               <a:rPr lang="da-DK" smtClean="0"/>
-              <a:t>19-05-2016</a:t>
+              <a:t>21-05-2016</a:t>
             </a:fld>
             <a:endParaRPr lang="da-DK"/>
           </a:p>
@@ -2959,6 +3861,14 @@
 <file path=ppt/slides/slide1.xml><?xml version="1.0" encoding="utf-8"?>
 <p:sld xmlns:a="http://schemas.openxmlformats.org/drawingml/2006/main" xmlns:r="http://schemas.openxmlformats.org/officeDocument/2006/relationships" xmlns:p="http://schemas.openxmlformats.org/presentationml/2006/main">
   <p:cSld>
+    <p:bg>
+      <p:bgPr>
+        <a:solidFill>
+          <a:schemeClr val="bg1"/>
+        </a:solidFill>
+        <a:effectLst/>
+      </p:bgPr>
+    </p:bg>
     <p:spTree>
       <p:nvGrpSpPr>
         <p:cNvPr id="1" name=""/>
@@ -3184,7 +4094,46 @@
           <a:p>
             <a:r>
               <a:rPr lang="en-US" dirty="0" smtClean="0"/>
-              <a:t>Design a relay protocol: To hop or not to hop</a:t>
+              <a:t>Design a relay protocol: To hop or not to </a:t>
+            </a:r>
+            <a:r>
+              <a:rPr lang="en-US" dirty="0" smtClean="0"/>
+              <a:t>hop</a:t>
+            </a:r>
+          </a:p>
+          <a:p>
+            <a:r>
+              <a:rPr lang="en-US" dirty="0" smtClean="0"/>
+              <a:t>Focus on lowering power consumption and</a:t>
+            </a:r>
+          </a:p>
+          <a:p>
+            <a:pPr marL="0" indent="0">
+              <a:buNone/>
+            </a:pPr>
+            <a:r>
+              <a:rPr lang="en-US" dirty="0" smtClean="0"/>
+              <a:t> setting up ARQ.</a:t>
+            </a:r>
+          </a:p>
+          <a:p>
+            <a:pPr marL="0" indent="0">
+              <a:buNone/>
+            </a:pPr>
+            <a:endParaRPr lang="en-US" dirty="0"/>
+          </a:p>
+          <a:p>
+            <a:r>
+              <a:rPr lang="en-US" dirty="0" smtClean="0"/>
+              <a:t>Fixed package size and </a:t>
+            </a:r>
+            <a:r>
+              <a:rPr lang="en-US" dirty="0" err="1" smtClean="0"/>
+              <a:t>tx</a:t>
+            </a:r>
+            <a:r>
+              <a:rPr lang="en-US" dirty="0" smtClean="0"/>
+              <a:t> power.</a:t>
             </a:r>
             <a:endParaRPr lang="da-DK" dirty="0"/>
           </a:p>
@@ -3199,7 +4148,7 @@
           <p:nvPr/>
         </p:nvPicPr>
         <p:blipFill>
-          <a:blip r:embed="rId2"/>
+          <a:blip r:embed="rId3"/>
           <a:stretch>
             <a:fillRect/>
           </a:stretch>
@@ -3364,7 +4313,7 @@
           </p:nvPr>
         </p:nvPicPr>
         <p:blipFill>
-          <a:blip r:embed="rId2">
+          <a:blip r:embed="rId3">
             <a:extLst>
               <a:ext uri="{28A0092B-C50C-407E-A947-70E740481C1C}">
                 <a14:useLocalDpi xmlns:a14="http://schemas.microsoft.com/office/drawing/2010/main" val="0"/>
@@ -3377,7 +4326,7 @@
         </p:blipFill>
         <p:spPr>
           <a:xfrm>
-            <a:off x="2563279" y="209006"/>
+            <a:off x="2571988" y="355781"/>
             <a:ext cx="6906001" cy="6046334"/>
           </a:xfrm>
         </p:spPr>
@@ -3427,6 +4376,209 @@
           <a:bodyPr/>
           <a:lstStyle/>
           <a:p>
+            <a:r>
+              <a:rPr lang="da-DK" dirty="0" smtClean="0"/>
+              <a:t>The Relay</a:t>
+            </a:r>
+            <a:endParaRPr lang="da-DK" dirty="0"/>
+          </a:p>
+        </p:txBody>
+      </p:sp>
+      <p:sp>
+        <p:nvSpPr>
+          <p:cNvPr id="3" name="Pladsholder til indhold 2"/>
+          <p:cNvSpPr>
+            <a:spLocks noGrp="1"/>
+          </p:cNvSpPr>
+          <p:nvPr>
+            <p:ph idx="1"/>
+          </p:nvPr>
+        </p:nvSpPr>
+        <p:spPr/>
+        <p:txBody>
+          <a:bodyPr/>
+          <a:lstStyle/>
+          <a:p>
+            <a:r>
+              <a:rPr lang="da-DK" dirty="0" smtClean="0"/>
+              <a:t>Power </a:t>
+            </a:r>
+            <a:r>
+              <a:rPr lang="en-US" dirty="0" smtClean="0"/>
+              <a:t>consumption</a:t>
+            </a:r>
+            <a:r>
+              <a:rPr lang="da-DK" dirty="0" smtClean="0"/>
+              <a:t> </a:t>
+            </a:r>
+            <a:r>
+              <a:rPr lang="da-DK" dirty="0" err="1" smtClean="0"/>
+              <a:t>when</a:t>
+            </a:r>
+            <a:r>
+              <a:rPr lang="da-DK" dirty="0" smtClean="0"/>
+              <a:t> radio </a:t>
+            </a:r>
+            <a:r>
+              <a:rPr lang="da-DK" dirty="0" err="1" smtClean="0"/>
+              <a:t>off</a:t>
+            </a:r>
+            <a:r>
+              <a:rPr lang="da-DK" dirty="0"/>
+              <a:t>: 1,37 </a:t>
+            </a:r>
+            <a:r>
+              <a:rPr lang="da-DK" dirty="0" smtClean="0"/>
+              <a:t>mV</a:t>
+            </a:r>
+          </a:p>
+          <a:p>
+            <a:r>
+              <a:rPr lang="da-DK" dirty="0" smtClean="0"/>
+              <a:t>Power </a:t>
+            </a:r>
+            <a:r>
+              <a:rPr lang="en-US" dirty="0" smtClean="0"/>
+              <a:t>consumption</a:t>
+            </a:r>
+            <a:r>
+              <a:rPr lang="da-DK" dirty="0" smtClean="0"/>
+              <a:t> </a:t>
+            </a:r>
+            <a:r>
+              <a:rPr lang="da-DK" dirty="0" err="1" smtClean="0"/>
+              <a:t>when</a:t>
+            </a:r>
+            <a:r>
+              <a:rPr lang="da-DK" dirty="0" smtClean="0"/>
+              <a:t> </a:t>
+            </a:r>
+            <a:r>
+              <a:rPr lang="da-DK" dirty="0" err="1" smtClean="0"/>
+              <a:t>reciving</a:t>
+            </a:r>
+            <a:r>
+              <a:rPr lang="da-DK" dirty="0"/>
+              <a:t>: 192 </a:t>
+            </a:r>
+            <a:r>
+              <a:rPr lang="da-DK" dirty="0" smtClean="0"/>
+              <a:t>mV</a:t>
+            </a:r>
+          </a:p>
+          <a:p>
+            <a:r>
+              <a:rPr lang="da-DK" dirty="0" err="1" smtClean="0"/>
+              <a:t>Sleep</a:t>
+            </a:r>
+            <a:r>
+              <a:rPr lang="da-DK" dirty="0" smtClean="0"/>
+              <a:t> 3x </a:t>
+            </a:r>
+            <a:r>
+              <a:rPr lang="da-DK" dirty="0" err="1" smtClean="0"/>
+              <a:t>handshake</a:t>
+            </a:r>
+            <a:endParaRPr lang="da-DK" dirty="0" smtClean="0"/>
+          </a:p>
+          <a:p>
+            <a:r>
+              <a:rPr lang="da-DK" dirty="0" err="1" smtClean="0"/>
+              <a:t>Awake</a:t>
+            </a:r>
+            <a:r>
+              <a:rPr lang="da-DK" dirty="0" smtClean="0"/>
+              <a:t> at </a:t>
+            </a:r>
+            <a:r>
+              <a:rPr lang="da-DK" dirty="0" err="1" smtClean="0"/>
+              <a:t>least</a:t>
+            </a:r>
+            <a:r>
+              <a:rPr lang="da-DK" dirty="0" smtClean="0"/>
+              <a:t> 1 </a:t>
+            </a:r>
+            <a:r>
+              <a:rPr lang="da-DK" dirty="0" err="1" smtClean="0"/>
+              <a:t>handshake</a:t>
+            </a:r>
+            <a:r>
+              <a:rPr lang="da-DK" dirty="0" smtClean="0"/>
+              <a:t> + fight time + datasend(</a:t>
+            </a:r>
+            <a:r>
+              <a:rPr lang="da-DK" dirty="0" err="1" smtClean="0"/>
+              <a:t>currently</a:t>
+            </a:r>
+            <a:r>
+              <a:rPr lang="da-DK" dirty="0" smtClean="0"/>
+              <a:t> </a:t>
+            </a:r>
+            <a:r>
+              <a:rPr lang="da-DK" dirty="0" err="1" smtClean="0"/>
+              <a:t>about</a:t>
+            </a:r>
+            <a:r>
+              <a:rPr lang="da-DK" dirty="0" smtClean="0"/>
+              <a:t> 4 </a:t>
+            </a:r>
+            <a:r>
+              <a:rPr lang="da-DK" dirty="0" err="1" smtClean="0"/>
+              <a:t>seconds</a:t>
+            </a:r>
+            <a:r>
+              <a:rPr lang="da-DK" dirty="0" smtClean="0"/>
+              <a:t>)</a:t>
+            </a:r>
+            <a:endParaRPr lang="da-DK" dirty="0"/>
+          </a:p>
+        </p:txBody>
+      </p:sp>
+    </p:spTree>
+    <p:extLst>
+      <p:ext uri="{BB962C8B-B14F-4D97-AF65-F5344CB8AC3E}">
+        <p14:creationId xmlns:p14="http://schemas.microsoft.com/office/powerpoint/2010/main" val="1977769409"/>
+      </p:ext>
+    </p:extLst>
+  </p:cSld>
+  <p:clrMapOvr>
+    <a:masterClrMapping/>
+  </p:clrMapOvr>
+</p:sld>
+</file>
+
+<file path=ppt/slides/slide5.xml><?xml version="1.0" encoding="utf-8"?>
+<p:sld xmlns:a="http://schemas.openxmlformats.org/drawingml/2006/main" xmlns:r="http://schemas.openxmlformats.org/officeDocument/2006/relationships" xmlns:p="http://schemas.openxmlformats.org/presentationml/2006/main">
+  <p:cSld>
+    <p:spTree>
+      <p:nvGrpSpPr>
+        <p:cNvPr id="1" name=""/>
+        <p:cNvGrpSpPr/>
+        <p:nvPr/>
+      </p:nvGrpSpPr>
+      <p:grpSpPr>
+        <a:xfrm>
+          <a:off x="0" y="0"/>
+          <a:ext cx="0" cy="0"/>
+          <a:chOff x="0" y="0"/>
+          <a:chExt cx="0" cy="0"/>
+        </a:xfrm>
+      </p:grpSpPr>
+      <p:sp>
+        <p:nvSpPr>
+          <p:cNvPr id="2" name="Titel 1"/>
+          <p:cNvSpPr>
+            <a:spLocks noGrp="1"/>
+          </p:cNvSpPr>
+          <p:nvPr>
+            <p:ph type="title"/>
+          </p:nvPr>
+        </p:nvSpPr>
+        <p:spPr/>
+        <p:txBody>
+          <a:bodyPr/>
+          <a:lstStyle/>
+          <a:p>
             <a:endParaRPr lang="da-DK"/>
           </a:p>
         </p:txBody>
@@ -3442,7 +4594,7 @@
           </p:nvPr>
         </p:nvPicPr>
         <p:blipFill>
-          <a:blip r:embed="rId2">
+          <a:blip r:embed="rId3">
             <a:extLst>
               <a:ext uri="{28A0092B-C50C-407E-A947-70E740481C1C}">
                 <a14:useLocalDpi xmlns:a14="http://schemas.microsoft.com/office/drawing/2010/main" val="0"/>
@@ -3473,7 +4625,7 @@
 </p:sld>
 </file>
 
-<file path=ppt/slides/slide5.xml><?xml version="1.0" encoding="utf-8"?>
+<file path=ppt/slides/slide6.xml><?xml version="1.0" encoding="utf-8"?>
 <p:sld xmlns:a="http://schemas.openxmlformats.org/drawingml/2006/main" xmlns:r="http://schemas.openxmlformats.org/officeDocument/2006/relationships" xmlns:p="http://schemas.openxmlformats.org/presentationml/2006/main">
   <p:cSld>
     <p:spTree>
@@ -3505,6 +4657,245 @@
           <a:bodyPr/>
           <a:lstStyle/>
           <a:p>
+            <a:r>
+              <a:rPr lang="da-DK" dirty="0" err="1" smtClean="0"/>
+              <a:t>Which</a:t>
+            </a:r>
+            <a:r>
+              <a:rPr lang="da-DK" dirty="0" smtClean="0"/>
+              <a:t> link is </a:t>
+            </a:r>
+            <a:r>
+              <a:rPr lang="da-DK" dirty="0" err="1" smtClean="0"/>
+              <a:t>best</a:t>
+            </a:r>
+            <a:r>
+              <a:rPr lang="da-DK" dirty="0" smtClean="0"/>
+              <a:t>?</a:t>
+            </a:r>
+            <a:endParaRPr lang="da-DK" dirty="0"/>
+          </a:p>
+        </p:txBody>
+      </p:sp>
+      <p:sp>
+        <p:nvSpPr>
+          <p:cNvPr id="3" name="Pladsholder til indhold 2"/>
+          <p:cNvSpPr>
+            <a:spLocks noGrp="1"/>
+          </p:cNvSpPr>
+          <p:nvPr>
+            <p:ph idx="1"/>
+          </p:nvPr>
+        </p:nvSpPr>
+        <p:spPr/>
+        <p:txBody>
+          <a:bodyPr/>
+          <a:lstStyle/>
+          <a:p>
+            <a:r>
+              <a:rPr lang="da-DK" dirty="0" err="1" smtClean="0"/>
+              <a:t>Handshake</a:t>
+            </a:r>
+            <a:r>
+              <a:rPr lang="da-DK" dirty="0" smtClean="0"/>
+              <a:t> </a:t>
+            </a:r>
+            <a:r>
+              <a:rPr lang="da-DK" dirty="0" err="1" smtClean="0"/>
+              <a:t>every</a:t>
+            </a:r>
+            <a:r>
+              <a:rPr lang="da-DK" dirty="0" smtClean="0"/>
+              <a:t> 3 </a:t>
+            </a:r>
+            <a:r>
+              <a:rPr lang="da-DK" dirty="0" err="1" smtClean="0"/>
+              <a:t>second</a:t>
+            </a:r>
+            <a:endParaRPr lang="da-DK" dirty="0" smtClean="0"/>
+          </a:p>
+          <a:p>
+            <a:r>
+              <a:rPr lang="da-DK" dirty="0" smtClean="0"/>
+              <a:t>One </a:t>
+            </a:r>
+            <a:r>
+              <a:rPr lang="da-DK" dirty="0" err="1" smtClean="0"/>
+              <a:t>second</a:t>
+            </a:r>
+            <a:r>
+              <a:rPr lang="da-DK" dirty="0" smtClean="0"/>
+              <a:t> fight</a:t>
+            </a:r>
+          </a:p>
+          <a:p>
+            <a:r>
+              <a:rPr lang="da-DK" dirty="0" err="1" smtClean="0"/>
+              <a:t>Agilility</a:t>
+            </a:r>
+            <a:r>
+              <a:rPr lang="da-DK" dirty="0" smtClean="0"/>
+              <a:t> </a:t>
+            </a:r>
+            <a:r>
+              <a:rPr lang="da-DK" dirty="0" err="1" smtClean="0"/>
+              <a:t>vs</a:t>
+            </a:r>
+            <a:r>
+              <a:rPr lang="da-DK" dirty="0" smtClean="0"/>
+              <a:t> </a:t>
+            </a:r>
+            <a:r>
+              <a:rPr lang="da-DK" dirty="0" err="1" smtClean="0"/>
+              <a:t>Stability</a:t>
+            </a:r>
+            <a:r>
+              <a:rPr lang="da-DK" dirty="0" smtClean="0"/>
+              <a:t> </a:t>
+            </a:r>
+          </a:p>
+          <a:p>
+            <a:r>
+              <a:rPr lang="da-DK" dirty="0" err="1" smtClean="0"/>
+              <a:t>Weighted</a:t>
+            </a:r>
+            <a:r>
+              <a:rPr lang="da-DK" dirty="0" smtClean="0"/>
+              <a:t> average</a:t>
+            </a:r>
+          </a:p>
+          <a:p>
+            <a:endParaRPr lang="da-DK" dirty="0"/>
+          </a:p>
+        </p:txBody>
+      </p:sp>
+      <p:pic>
+        <p:nvPicPr>
+          <p:cNvPr id="1026" name="Picture 2" descr="https://i.imgur.com/yNDzsql.png"/>
+          <p:cNvPicPr>
+            <a:picLocks noChangeAspect="1" noChangeArrowheads="1"/>
+          </p:cNvPicPr>
+          <p:nvPr/>
+        </p:nvPicPr>
+        <p:blipFill>
+          <a:blip r:embed="rId3">
+            <a:extLst>
+              <a:ext uri="{28A0092B-C50C-407E-A947-70E740481C1C}">
+                <a14:useLocalDpi xmlns:a14="http://schemas.microsoft.com/office/drawing/2010/main" val="0"/>
+              </a:ext>
+            </a:extLst>
+          </a:blip>
+          <a:srcRect/>
+          <a:stretch>
+            <a:fillRect/>
+          </a:stretch>
+        </p:blipFill>
+        <p:spPr bwMode="auto">
+          <a:xfrm>
+            <a:off x="7096306" y="2455364"/>
+            <a:ext cx="3000375" cy="2914650"/>
+          </a:xfrm>
+          <a:prstGeom prst="rect">
+            <a:avLst/>
+          </a:prstGeom>
+          <a:noFill/>
+          <a:extLst>
+            <a:ext uri="{909E8E84-426E-40DD-AFC4-6F175D3DCCD1}">
+              <a14:hiddenFill xmlns:a14="http://schemas.microsoft.com/office/drawing/2010/main">
+                <a:solidFill>
+                  <a:srgbClr val="FFFFFF"/>
+                </a:solidFill>
+              </a14:hiddenFill>
+            </a:ext>
+          </a:extLst>
+        </p:spPr>
+      </p:pic>
+      <p:pic>
+        <p:nvPicPr>
+          <p:cNvPr id="1028" name="Picture 4" descr="https://i.imgur.com/yNwYNHx.png"/>
+          <p:cNvPicPr>
+            <a:picLocks noChangeAspect="1" noChangeArrowheads="1"/>
+          </p:cNvPicPr>
+          <p:nvPr/>
+        </p:nvPicPr>
+        <p:blipFill>
+          <a:blip r:embed="rId4">
+            <a:extLst>
+              <a:ext uri="{28A0092B-C50C-407E-A947-70E740481C1C}">
+                <a14:useLocalDpi xmlns:a14="http://schemas.microsoft.com/office/drawing/2010/main" val="0"/>
+              </a:ext>
+            </a:extLst>
+          </a:blip>
+          <a:srcRect/>
+          <a:stretch>
+            <a:fillRect/>
+          </a:stretch>
+        </p:blipFill>
+        <p:spPr bwMode="auto">
+          <a:xfrm>
+            <a:off x="3013166" y="3745774"/>
+            <a:ext cx="3770812" cy="3053875"/>
+          </a:xfrm>
+          <a:prstGeom prst="rect">
+            <a:avLst/>
+          </a:prstGeom>
+          <a:noFill/>
+          <a:extLst>
+            <a:ext uri="{909E8E84-426E-40DD-AFC4-6F175D3DCCD1}">
+              <a14:hiddenFill xmlns:a14="http://schemas.microsoft.com/office/drawing/2010/main">
+                <a:solidFill>
+                  <a:srgbClr val="FFFFFF"/>
+                </a:solidFill>
+              </a14:hiddenFill>
+            </a:ext>
+          </a:extLst>
+        </p:spPr>
+      </p:pic>
+    </p:spTree>
+    <p:extLst>
+      <p:ext uri="{BB962C8B-B14F-4D97-AF65-F5344CB8AC3E}">
+        <p14:creationId xmlns:p14="http://schemas.microsoft.com/office/powerpoint/2010/main" val="2337792035"/>
+      </p:ext>
+    </p:extLst>
+  </p:cSld>
+  <p:clrMapOvr>
+    <a:masterClrMapping/>
+  </p:clrMapOvr>
+</p:sld>
+</file>
+
+<file path=ppt/slides/slide7.xml><?xml version="1.0" encoding="utf-8"?>
+<p:sld xmlns:a="http://schemas.openxmlformats.org/drawingml/2006/main" xmlns:r="http://schemas.openxmlformats.org/officeDocument/2006/relationships" xmlns:p="http://schemas.openxmlformats.org/presentationml/2006/main">
+  <p:cSld>
+    <p:spTree>
+      <p:nvGrpSpPr>
+        <p:cNvPr id="1" name=""/>
+        <p:cNvGrpSpPr/>
+        <p:nvPr/>
+      </p:nvGrpSpPr>
+      <p:grpSpPr>
+        <a:xfrm>
+          <a:off x="0" y="0"/>
+          <a:ext cx="0" cy="0"/>
+          <a:chOff x="0" y="0"/>
+          <a:chExt cx="0" cy="0"/>
+        </a:xfrm>
+      </p:grpSpPr>
+      <p:sp>
+        <p:nvSpPr>
+          <p:cNvPr id="2" name="Titel 1"/>
+          <p:cNvSpPr>
+            <a:spLocks noGrp="1"/>
+          </p:cNvSpPr>
+          <p:nvPr>
+            <p:ph type="title"/>
+          </p:nvPr>
+        </p:nvSpPr>
+        <p:spPr/>
+        <p:txBody>
+          <a:bodyPr/>
+          <a:lstStyle/>
+          <a:p>
             <a:pPr algn="ctr"/>
             <a:r>
               <a:rPr lang="da-DK" dirty="0" smtClean="0"/>
@@ -3529,7 +4920,7 @@
           <a:bodyPr/>
           <a:lstStyle/>
           <a:p>
-            <a:endParaRPr lang="da-DK"/>
+            <a:endParaRPr lang="da-DK" dirty="0"/>
           </a:p>
         </p:txBody>
       </p:sp>
@@ -3805,4 +5196,265 @@
     </a:ext>
   </a:extLst>
 </a:theme>
+</file>
+
+<file path=ppt/theme/theme2.xml><?xml version="1.0" encoding="utf-8"?>
+<a:theme xmlns:a="http://schemas.openxmlformats.org/drawingml/2006/main" name="Office-tema">
+  <a:themeElements>
+    <a:clrScheme name="Kontor">
+      <a:dk1>
+        <a:sysClr val="windowText" lastClr="000000"/>
+      </a:dk1>
+      <a:lt1>
+        <a:sysClr val="window" lastClr="FFFFFF"/>
+      </a:lt1>
+      <a:dk2>
+        <a:srgbClr val="44546A"/>
+      </a:dk2>
+      <a:lt2>
+        <a:srgbClr val="E7E6E6"/>
+      </a:lt2>
+      <a:accent1>
+        <a:srgbClr val="5B9BD5"/>
+      </a:accent1>
+      <a:accent2>
+        <a:srgbClr val="ED7D31"/>
+      </a:accent2>
+      <a:accent3>
+        <a:srgbClr val="A5A5A5"/>
+      </a:accent3>
+      <a:accent4>
+        <a:srgbClr val="FFC000"/>
+      </a:accent4>
+      <a:accent5>
+        <a:srgbClr val="4472C4"/>
+      </a:accent5>
+      <a:accent6>
+        <a:srgbClr val="70AD47"/>
+      </a:accent6>
+      <a:hlink>
+        <a:srgbClr val="0563C1"/>
+      </a:hlink>
+      <a:folHlink>
+        <a:srgbClr val="954F72"/>
+      </a:folHlink>
+    </a:clrScheme>
+    <a:fontScheme name="Kontor">
+      <a:majorFont>
+        <a:latin typeface="Calibri Light" panose="020F0302020204030204"/>
+        <a:ea typeface=""/>
+        <a:cs typeface=""/>
+        <a:font script="Jpan" typeface="ＭＳ Ｐゴシック"/>
+        <a:font script="Hang" typeface="맑은 고딕"/>
+        <a:font script="Hans" typeface="宋体"/>
+        <a:font script="Hant" typeface="新細明體"/>
+        <a:font script="Arab" typeface="Times New Roman"/>
+        <a:font script="Hebr" typeface="Times New Roman"/>
+        <a:font script="Thai" typeface="Angsana New"/>
+        <a:font script="Ethi" typeface="Nyala"/>
+        <a:font script="Beng" typeface="Vrinda"/>
+        <a:font script="Gujr" typeface="Shruti"/>
+        <a:font script="Khmr" typeface="MoolBoran"/>
+        <a:font script="Knda" typeface="Tunga"/>
+        <a:font script="Guru" typeface="Raavi"/>
+        <a:font script="Cans" typeface="Euphemia"/>
+        <a:font script="Cher" typeface="Plantagenet Cherokee"/>
+        <a:font script="Yiii" typeface="Microsoft Yi Baiti"/>
+        <a:font script="Tibt" typeface="Microsoft Himalaya"/>
+        <a:font script="Thaa" typeface="MV Boli"/>
+        <a:font script="Deva" typeface="Mangal"/>
+        <a:font script="Telu" typeface="Gautami"/>
+        <a:font script="Taml" typeface="Latha"/>
+        <a:font script="Syrc" typeface="Estrangelo Edessa"/>
+        <a:font script="Orya" typeface="Kalinga"/>
+        <a:font script="Mlym" typeface="Kartika"/>
+        <a:font script="Laoo" typeface="DokChampa"/>
+        <a:font script="Sinh" typeface="Iskoola Pota"/>
+        <a:font script="Mong" typeface="Mongolian Baiti"/>
+        <a:font script="Viet" typeface="Times New Roman"/>
+        <a:font script="Uigh" typeface="Microsoft Uighur"/>
+        <a:font script="Geor" typeface="Sylfaen"/>
+      </a:majorFont>
+      <a:minorFont>
+        <a:latin typeface="Calibri" panose="020F0502020204030204"/>
+        <a:ea typeface=""/>
+        <a:cs typeface=""/>
+        <a:font script="Jpan" typeface="ＭＳ Ｐゴシック"/>
+        <a:font script="Hang" typeface="맑은 고딕"/>
+        <a:font script="Hans" typeface="宋体"/>
+        <a:font script="Hant" typeface="新細明體"/>
+        <a:font script="Arab" typeface="Arial"/>
+        <a:font script="Hebr" typeface="Arial"/>
+        <a:font script="Thai" typeface="Cordia New"/>
+        <a:font script="Ethi" typeface="Nyala"/>
+        <a:font script="Beng" typeface="Vrinda"/>
+        <a:font script="Gujr" typeface="Shruti"/>
+        <a:font script="Khmr" typeface="DaunPenh"/>
+        <a:font script="Knda" typeface="Tunga"/>
+        <a:font script="Guru" typeface="Raavi"/>
+        <a:font script="Cans" typeface="Euphemia"/>
+        <a:font script="Cher" typeface="Plantagenet Cherokee"/>
+        <a:font script="Yiii" typeface="Microsoft Yi Baiti"/>
+        <a:font script="Tibt" typeface="Microsoft Himalaya"/>
+        <a:font script="Thaa" typeface="MV Boli"/>
+        <a:font script="Deva" typeface="Mangal"/>
+        <a:font script="Telu" typeface="Gautami"/>
+        <a:font script="Taml" typeface="Latha"/>
+        <a:font script="Syrc" typeface="Estrangelo Edessa"/>
+        <a:font script="Orya" typeface="Kalinga"/>
+        <a:font script="Mlym" typeface="Kartika"/>
+        <a:font script="Laoo" typeface="DokChampa"/>
+        <a:font script="Sinh" typeface="Iskoola Pota"/>
+        <a:font script="Mong" typeface="Mongolian Baiti"/>
+        <a:font script="Viet" typeface="Arial"/>
+        <a:font script="Uigh" typeface="Microsoft Uighur"/>
+        <a:font script="Geor" typeface="Sylfaen"/>
+      </a:minorFont>
+    </a:fontScheme>
+    <a:fmtScheme name="Kontor">
+      <a:fillStyleLst>
+        <a:solidFill>
+          <a:schemeClr val="phClr"/>
+        </a:solidFill>
+        <a:gradFill rotWithShape="1">
+          <a:gsLst>
+            <a:gs pos="0">
+              <a:schemeClr val="phClr">
+                <a:lumMod val="110000"/>
+                <a:satMod val="105000"/>
+                <a:tint val="67000"/>
+              </a:schemeClr>
+            </a:gs>
+            <a:gs pos="50000">
+              <a:schemeClr val="phClr">
+                <a:lumMod val="105000"/>
+                <a:satMod val="103000"/>
+                <a:tint val="73000"/>
+              </a:schemeClr>
+            </a:gs>
+            <a:gs pos="100000">
+              <a:schemeClr val="phClr">
+                <a:lumMod val="105000"/>
+                <a:satMod val="109000"/>
+                <a:tint val="81000"/>
+              </a:schemeClr>
+            </a:gs>
+          </a:gsLst>
+          <a:lin ang="5400000" scaled="0"/>
+        </a:gradFill>
+        <a:gradFill rotWithShape="1">
+          <a:gsLst>
+            <a:gs pos="0">
+              <a:schemeClr val="phClr">
+                <a:satMod val="103000"/>
+                <a:lumMod val="102000"/>
+                <a:tint val="94000"/>
+              </a:schemeClr>
+            </a:gs>
+            <a:gs pos="50000">
+              <a:schemeClr val="phClr">
+                <a:satMod val="110000"/>
+                <a:lumMod val="100000"/>
+                <a:shade val="100000"/>
+              </a:schemeClr>
+            </a:gs>
+            <a:gs pos="100000">
+              <a:schemeClr val="phClr">
+                <a:lumMod val="99000"/>
+                <a:satMod val="120000"/>
+                <a:shade val="78000"/>
+              </a:schemeClr>
+            </a:gs>
+          </a:gsLst>
+          <a:lin ang="5400000" scaled="0"/>
+        </a:gradFill>
+      </a:fillStyleLst>
+      <a:lnStyleLst>
+        <a:ln w="6350" cap="flat" cmpd="sng" algn="ctr">
+          <a:solidFill>
+            <a:schemeClr val="phClr"/>
+          </a:solidFill>
+          <a:prstDash val="solid"/>
+          <a:miter lim="800000"/>
+        </a:ln>
+        <a:ln w="12700" cap="flat" cmpd="sng" algn="ctr">
+          <a:solidFill>
+            <a:schemeClr val="phClr"/>
+          </a:solidFill>
+          <a:prstDash val="solid"/>
+          <a:miter lim="800000"/>
+        </a:ln>
+        <a:ln w="19050" cap="flat" cmpd="sng" algn="ctr">
+          <a:solidFill>
+            <a:schemeClr val="phClr"/>
+          </a:solidFill>
+          <a:prstDash val="solid"/>
+          <a:miter lim="800000"/>
+        </a:ln>
+      </a:lnStyleLst>
+      <a:effectStyleLst>
+        <a:effectStyle>
+          <a:effectLst/>
+        </a:effectStyle>
+        <a:effectStyle>
+          <a:effectLst/>
+        </a:effectStyle>
+        <a:effectStyle>
+          <a:effectLst>
+            <a:outerShdw blurRad="57150" dist="19050" dir="5400000" algn="ctr" rotWithShape="0">
+              <a:srgbClr val="000000">
+                <a:alpha val="63000"/>
+              </a:srgbClr>
+            </a:outerShdw>
+          </a:effectLst>
+        </a:effectStyle>
+      </a:effectStyleLst>
+      <a:bgFillStyleLst>
+        <a:solidFill>
+          <a:schemeClr val="phClr"/>
+        </a:solidFill>
+        <a:solidFill>
+          <a:schemeClr val="phClr">
+            <a:tint val="95000"/>
+            <a:satMod val="170000"/>
+          </a:schemeClr>
+        </a:solidFill>
+        <a:gradFill rotWithShape="1">
+          <a:gsLst>
+            <a:gs pos="0">
+              <a:schemeClr val="phClr">
+                <a:tint val="93000"/>
+                <a:satMod val="150000"/>
+                <a:shade val="98000"/>
+                <a:lumMod val="102000"/>
+              </a:schemeClr>
+            </a:gs>
+            <a:gs pos="50000">
+              <a:schemeClr val="phClr">
+                <a:tint val="98000"/>
+                <a:satMod val="130000"/>
+                <a:shade val="90000"/>
+                <a:lumMod val="103000"/>
+              </a:schemeClr>
+            </a:gs>
+            <a:gs pos="100000">
+              <a:schemeClr val="phClr">
+                <a:shade val="63000"/>
+                <a:satMod val="120000"/>
+              </a:schemeClr>
+            </a:gs>
+          </a:gsLst>
+          <a:lin ang="5400000" scaled="0"/>
+        </a:gradFill>
+      </a:bgFillStyleLst>
+    </a:fmtScheme>
+  </a:themeElements>
+  <a:objectDefaults/>
+  <a:extraClrSchemeLst/>
+  <a:extLst>
+    <a:ext uri="{05A4C25C-085E-4340-85A3-A5531E510DB2}">
+      <thm15:themeFamily xmlns:thm15="http://schemas.microsoft.com/office/thememl/2012/main" name="Office Theme" id="{62F939B6-93AF-4DB8-9C6B-D6C7DFDC589F}" vid="{4A3C46E8-61CC-4603-A589-7422A47A8E4A}"/>
+    </a:ext>
+  </a:extLst>
+</a:theme>
 </file>